--- a/DataCurationProject/DataCuration Project_Group_17.pptx
+++ b/DataCurationProject/DataCuration Project_Group_17.pptx
@@ -8846,6 +8846,36 @@
           </a:p>
         </p:txBody>
       </p:sp>
+      <p:pic>
+        <p:nvPicPr>
+          <p:cNvPr id="2" name="Picture 1">
+            <a:extLst>
+              <a:ext uri="{FF2B5EF4-FFF2-40B4-BE49-F238E27FC236}">
+                <a16:creationId xmlns:a16="http://schemas.microsoft.com/office/drawing/2014/main" id="{44F4E071-2771-456A-1B81-92A0B9501839}"/>
+              </a:ext>
+            </a:extLst>
+          </p:cNvPr>
+          <p:cNvPicPr>
+            <a:picLocks noChangeAspect="1"/>
+          </p:cNvPicPr>
+          <p:nvPr/>
+        </p:nvPicPr>
+        <p:blipFill>
+          <a:blip r:embed="rId3"/>
+          <a:stretch>
+            <a:fillRect/>
+          </a:stretch>
+        </p:blipFill>
+        <p:spPr>
+          <a:xfrm>
+            <a:off x="252232" y="6422351"/>
+            <a:ext cx="2057400" cy="381000"/>
+          </a:xfrm>
+          <a:prstGeom prst="rect">
+            <a:avLst/>
+          </a:prstGeom>
+        </p:spPr>
+      </p:pic>
     </p:spTree>
     <p:extLst>
       <p:ext uri="{BB962C8B-B14F-4D97-AF65-F5344CB8AC3E}">
@@ -19145,6 +19175,26 @@
               </a:rPr>
               <a:t>Data source:</a:t>
             </a:r>
+            <a:r>
+              <a:rPr lang="en-US" sz="2400" dirty="0">
+                <a:solidFill>
+                  <a:schemeClr val="dk1"/>
+                </a:solidFill>
+                <a:latin typeface="Calibri" panose="020F0502020204030204" pitchFamily="34" charset="0"/>
+                <a:ea typeface="Roboto"/>
+                <a:cs typeface="Calibri" panose="020F0502020204030204" pitchFamily="34" charset="0"/>
+              </a:rPr>
+              <a:t> Electric Vehicle Charging Stations</a:t>
+            </a:r>
+            <a:endParaRPr lang="en-US" sz="2400" dirty="0">
+              <a:solidFill>
+                <a:schemeClr val="dk1"/>
+              </a:solidFill>
+              <a:latin typeface="Calibri" panose="020F0502020204030204" pitchFamily="34" charset="0"/>
+              <a:ea typeface="Roboto"/>
+              <a:cs typeface="Calibri" panose="020F0502020204030204" pitchFamily="34" charset="0"/>
+              <a:sym typeface="Roboto"/>
+            </a:endParaRPr>
           </a:p>
           <a:p>
             <a:pPr marL="495300" lvl="1">
@@ -21834,7 +21884,7 @@
               <a:pPr/>
               <a:t>6</a:t>
             </a:fld>
-            <a:endParaRPr lang="en-US">
+            <a:endParaRPr lang="en-US" dirty="0">
               <a:latin typeface="Calibri" panose="020F0502020204030204" pitchFamily="34" charset="0"/>
               <a:cs typeface="Calibri" panose="020F0502020204030204" pitchFamily="34" charset="0"/>
             </a:endParaRPr>
@@ -22621,6 +22671,323 @@
             <a:endParaRPr lang="en-US" sz="2000" dirty="0">
               <a:latin typeface="Calibri" panose="020F0502020204030204" pitchFamily="34" charset="0"/>
               <a:ea typeface="Calibri" panose="020F0502020204030204" pitchFamily="34" charset="0"/>
+              <a:cs typeface="Calibri" panose="020F0502020204030204" pitchFamily="34" charset="0"/>
+            </a:endParaRPr>
+          </a:p>
+        </p:txBody>
+      </p:sp>
+      <p:pic>
+        <p:nvPicPr>
+          <p:cNvPr id="4" name="Picture 3">
+            <a:extLst>
+              <a:ext uri="{FF2B5EF4-FFF2-40B4-BE49-F238E27FC236}">
+                <a16:creationId xmlns:a16="http://schemas.microsoft.com/office/drawing/2014/main" id="{75FBF609-10EA-7E1E-CD08-A730E76B1DC7}"/>
+              </a:ext>
+            </a:extLst>
+          </p:cNvPr>
+          <p:cNvPicPr>
+            <a:picLocks noChangeAspect="1"/>
+          </p:cNvPicPr>
+          <p:nvPr/>
+        </p:nvPicPr>
+        <p:blipFill>
+          <a:blip r:embed="rId2"/>
+          <a:stretch>
+            <a:fillRect/>
+          </a:stretch>
+        </p:blipFill>
+        <p:spPr>
+          <a:xfrm>
+            <a:off x="252232" y="6422351"/>
+            <a:ext cx="2057400" cy="381000"/>
+          </a:xfrm>
+          <a:prstGeom prst="rect">
+            <a:avLst/>
+          </a:prstGeom>
+        </p:spPr>
+      </p:pic>
+      <p:sp>
+        <p:nvSpPr>
+          <p:cNvPr id="6" name="Slide Number Placeholder 1">
+            <a:extLst>
+              <a:ext uri="{FF2B5EF4-FFF2-40B4-BE49-F238E27FC236}">
+                <a16:creationId xmlns:a16="http://schemas.microsoft.com/office/drawing/2014/main" id="{548A2B9F-5FF7-47A7-DD29-04EAE9A7E022}"/>
+              </a:ext>
+            </a:extLst>
+          </p:cNvPr>
+          <p:cNvSpPr txBox="1">
+            <a:spLocks/>
+          </p:cNvSpPr>
+          <p:nvPr/>
+        </p:nvSpPr>
+        <p:spPr>
+          <a:xfrm>
+            <a:off x="11912400" y="6523751"/>
+            <a:ext cx="432000" cy="432000"/>
+          </a:xfrm>
+          <a:prstGeom prst="rect">
+            <a:avLst/>
+          </a:prstGeom>
+          <a:solidFill>
+            <a:srgbClr val="3F3F3F"/>
+          </a:solidFill>
+          <a:ln>
+            <a:noFill/>
+          </a:ln>
+        </p:spPr>
+        <p:txBody>
+          <a:bodyPr spcFirstLastPara="1" wrap="square" lIns="0" tIns="0" rIns="0" bIns="0" anchor="ctr" anchorCtr="0">
+            <a:noAutofit/>
+          </a:bodyPr>
+          <a:lstStyle>
+            <a:defPPr marR="0" lvl="0" algn="l" rtl="0">
+              <a:lnSpc>
+                <a:spcPct val="100000"/>
+              </a:lnSpc>
+              <a:spcBef>
+                <a:spcPts val="0"/>
+              </a:spcBef>
+              <a:spcAft>
+                <a:spcPts val="0"/>
+              </a:spcAft>
+            </a:defPPr>
+            <a:lvl1pPr marL="0" marR="0" lvl="0" indent="0" algn="ctr" rtl="0">
+              <a:lnSpc>
+                <a:spcPct val="100000"/>
+              </a:lnSpc>
+              <a:spcBef>
+                <a:spcPts val="0"/>
+              </a:spcBef>
+              <a:spcAft>
+                <a:spcPts val="0"/>
+              </a:spcAft>
+              <a:buClr>
+                <a:srgbClr val="000000"/>
+              </a:buClr>
+              <a:buFont typeface="Arial"/>
+              <a:buNone/>
+              <a:defRPr sz="1200" b="0" i="0" u="none" strike="noStrike" cap="none">
+                <a:solidFill>
+                  <a:schemeClr val="lt1"/>
+                </a:solidFill>
+                <a:latin typeface="Corbel"/>
+                <a:ea typeface="Corbel"/>
+                <a:cs typeface="Corbel"/>
+                <a:sym typeface="Corbel"/>
+              </a:defRPr>
+            </a:lvl1pPr>
+            <a:lvl2pPr marL="0" marR="0" lvl="1" indent="0" algn="ctr" rtl="0">
+              <a:lnSpc>
+                <a:spcPct val="100000"/>
+              </a:lnSpc>
+              <a:spcBef>
+                <a:spcPts val="0"/>
+              </a:spcBef>
+              <a:spcAft>
+                <a:spcPts val="0"/>
+              </a:spcAft>
+              <a:buClr>
+                <a:srgbClr val="000000"/>
+              </a:buClr>
+              <a:buFont typeface="Arial"/>
+              <a:buNone/>
+              <a:defRPr sz="1200" b="0" i="0" u="none" strike="noStrike" cap="none">
+                <a:solidFill>
+                  <a:schemeClr val="lt1"/>
+                </a:solidFill>
+                <a:latin typeface="Corbel"/>
+                <a:ea typeface="Corbel"/>
+                <a:cs typeface="Corbel"/>
+                <a:sym typeface="Corbel"/>
+              </a:defRPr>
+            </a:lvl2pPr>
+            <a:lvl3pPr marL="0" marR="0" lvl="2" indent="0" algn="ctr" rtl="0">
+              <a:lnSpc>
+                <a:spcPct val="100000"/>
+              </a:lnSpc>
+              <a:spcBef>
+                <a:spcPts val="0"/>
+              </a:spcBef>
+              <a:spcAft>
+                <a:spcPts val="0"/>
+              </a:spcAft>
+              <a:buClr>
+                <a:srgbClr val="000000"/>
+              </a:buClr>
+              <a:buFont typeface="Arial"/>
+              <a:buNone/>
+              <a:defRPr sz="1200" b="0" i="0" u="none" strike="noStrike" cap="none">
+                <a:solidFill>
+                  <a:schemeClr val="lt1"/>
+                </a:solidFill>
+                <a:latin typeface="Corbel"/>
+                <a:ea typeface="Corbel"/>
+                <a:cs typeface="Corbel"/>
+                <a:sym typeface="Corbel"/>
+              </a:defRPr>
+            </a:lvl3pPr>
+            <a:lvl4pPr marL="0" marR="0" lvl="3" indent="0" algn="ctr" rtl="0">
+              <a:lnSpc>
+                <a:spcPct val="100000"/>
+              </a:lnSpc>
+              <a:spcBef>
+                <a:spcPts val="0"/>
+              </a:spcBef>
+              <a:spcAft>
+                <a:spcPts val="0"/>
+              </a:spcAft>
+              <a:buClr>
+                <a:srgbClr val="000000"/>
+              </a:buClr>
+              <a:buFont typeface="Arial"/>
+              <a:buNone/>
+              <a:defRPr sz="1200" b="0" i="0" u="none" strike="noStrike" cap="none">
+                <a:solidFill>
+                  <a:schemeClr val="lt1"/>
+                </a:solidFill>
+                <a:latin typeface="Corbel"/>
+                <a:ea typeface="Corbel"/>
+                <a:cs typeface="Corbel"/>
+                <a:sym typeface="Corbel"/>
+              </a:defRPr>
+            </a:lvl4pPr>
+            <a:lvl5pPr marL="0" marR="0" lvl="4" indent="0" algn="ctr" rtl="0">
+              <a:lnSpc>
+                <a:spcPct val="100000"/>
+              </a:lnSpc>
+              <a:spcBef>
+                <a:spcPts val="0"/>
+              </a:spcBef>
+              <a:spcAft>
+                <a:spcPts val="0"/>
+              </a:spcAft>
+              <a:buClr>
+                <a:srgbClr val="000000"/>
+              </a:buClr>
+              <a:buFont typeface="Arial"/>
+              <a:buNone/>
+              <a:defRPr sz="1200" b="0" i="0" u="none" strike="noStrike" cap="none">
+                <a:solidFill>
+                  <a:schemeClr val="lt1"/>
+                </a:solidFill>
+                <a:latin typeface="Corbel"/>
+                <a:ea typeface="Corbel"/>
+                <a:cs typeface="Corbel"/>
+                <a:sym typeface="Corbel"/>
+              </a:defRPr>
+            </a:lvl5pPr>
+            <a:lvl6pPr marL="0" marR="0" lvl="5" indent="0" algn="ctr" rtl="0">
+              <a:lnSpc>
+                <a:spcPct val="100000"/>
+              </a:lnSpc>
+              <a:spcBef>
+                <a:spcPts val="0"/>
+              </a:spcBef>
+              <a:spcAft>
+                <a:spcPts val="0"/>
+              </a:spcAft>
+              <a:buClr>
+                <a:srgbClr val="000000"/>
+              </a:buClr>
+              <a:buFont typeface="Arial"/>
+              <a:buNone/>
+              <a:defRPr sz="1200" b="0" i="0" u="none" strike="noStrike" cap="none">
+                <a:solidFill>
+                  <a:schemeClr val="lt1"/>
+                </a:solidFill>
+                <a:latin typeface="Corbel"/>
+                <a:ea typeface="Corbel"/>
+                <a:cs typeface="Corbel"/>
+                <a:sym typeface="Corbel"/>
+              </a:defRPr>
+            </a:lvl6pPr>
+            <a:lvl7pPr marL="0" marR="0" lvl="6" indent="0" algn="ctr" rtl="0">
+              <a:lnSpc>
+                <a:spcPct val="100000"/>
+              </a:lnSpc>
+              <a:spcBef>
+                <a:spcPts val="0"/>
+              </a:spcBef>
+              <a:spcAft>
+                <a:spcPts val="0"/>
+              </a:spcAft>
+              <a:buClr>
+                <a:srgbClr val="000000"/>
+              </a:buClr>
+              <a:buFont typeface="Arial"/>
+              <a:buNone/>
+              <a:defRPr sz="1200" b="0" i="0" u="none" strike="noStrike" cap="none">
+                <a:solidFill>
+                  <a:schemeClr val="lt1"/>
+                </a:solidFill>
+                <a:latin typeface="Corbel"/>
+                <a:ea typeface="Corbel"/>
+                <a:cs typeface="Corbel"/>
+                <a:sym typeface="Corbel"/>
+              </a:defRPr>
+            </a:lvl7pPr>
+            <a:lvl8pPr marL="0" marR="0" lvl="7" indent="0" algn="ctr" rtl="0">
+              <a:lnSpc>
+                <a:spcPct val="100000"/>
+              </a:lnSpc>
+              <a:spcBef>
+                <a:spcPts val="0"/>
+              </a:spcBef>
+              <a:spcAft>
+                <a:spcPts val="0"/>
+              </a:spcAft>
+              <a:buClr>
+                <a:srgbClr val="000000"/>
+              </a:buClr>
+              <a:buFont typeface="Arial"/>
+              <a:buNone/>
+              <a:defRPr sz="1200" b="0" i="0" u="none" strike="noStrike" cap="none">
+                <a:solidFill>
+                  <a:schemeClr val="lt1"/>
+                </a:solidFill>
+                <a:latin typeface="Corbel"/>
+                <a:ea typeface="Corbel"/>
+                <a:cs typeface="Corbel"/>
+                <a:sym typeface="Corbel"/>
+              </a:defRPr>
+            </a:lvl8pPr>
+            <a:lvl9pPr marL="0" marR="0" lvl="8" indent="0" algn="ctr" rtl="0">
+              <a:lnSpc>
+                <a:spcPct val="100000"/>
+              </a:lnSpc>
+              <a:spcBef>
+                <a:spcPts val="0"/>
+              </a:spcBef>
+              <a:spcAft>
+                <a:spcPts val="0"/>
+              </a:spcAft>
+              <a:buClr>
+                <a:srgbClr val="000000"/>
+              </a:buClr>
+              <a:buFont typeface="Arial"/>
+              <a:buNone/>
+              <a:defRPr sz="1200" b="0" i="0" u="none" strike="noStrike" cap="none">
+                <a:solidFill>
+                  <a:schemeClr val="lt1"/>
+                </a:solidFill>
+                <a:latin typeface="Corbel"/>
+                <a:ea typeface="Corbel"/>
+                <a:cs typeface="Corbel"/>
+                <a:sym typeface="Corbel"/>
+              </a:defRPr>
+            </a:lvl9pPr>
+          </a:lstStyle>
+          <a:p>
+            <a:fld id="{00000000-1234-1234-1234-123412341234}" type="slidenum">
+              <a:rPr lang="en-US" smtClean="0">
+                <a:latin typeface="Calibri" panose="020F0502020204030204" pitchFamily="34" charset="0"/>
+                <a:cs typeface="Calibri" panose="020F0502020204030204" pitchFamily="34" charset="0"/>
+              </a:rPr>
+              <a:pPr/>
+              <a:t>7</a:t>
+            </a:fld>
+            <a:endParaRPr lang="en-US" dirty="0">
+              <a:latin typeface="Calibri" panose="020F0502020204030204" pitchFamily="34" charset="0"/>
               <a:cs typeface="Calibri" panose="020F0502020204030204" pitchFamily="34" charset="0"/>
             </a:endParaRPr>
           </a:p>
